--- a/ML/Notes/WEEK 3/3.2.Evaluation Metrics.pptx
+++ b/ML/Notes/WEEK 3/3.2.Evaluation Metrics.pptx
@@ -496,7 +496,7 @@
           <a:p>
             <a:fld id="{6FA05BD7-0800-4D51-A76E-D322575D85F0}" type="datetimeFigureOut">
               <a:rPr lang="en-IN" smtClean="0"/>
-              <a:t>29-04-2024</a:t>
+              <a:t>27-05-2024</a:t>
             </a:fld>
             <a:endParaRPr lang="en-IN"/>
           </a:p>
